--- a/M10615110/M10615110_HW1.pptx
+++ b/M10615110/M10615110_HW1.pptx
@@ -11,7 +11,8 @@
     <p:sldId id="262" r:id="rId5"/>
     <p:sldId id="259" r:id="rId6"/>
     <p:sldId id="260" r:id="rId7"/>
-    <p:sldId id="261" r:id="rId8"/>
+    <p:sldId id="263" r:id="rId8"/>
+    <p:sldId id="261" r:id="rId9"/>
   </p:sldIdLst>
   <p:sldSz cx="12192000" cy="6858000"/>
   <p:notesSz cx="6858000" cy="9144000"/>
@@ -344,7 +345,7 @@
           <a:p>
             <a:fld id="{74EBD68E-929B-4386-9327-0474ED9E4509}" type="datetimeFigureOut">
               <a:rPr lang="zh-TW" altLang="en-US" smtClean="0"/>
-              <a:t>2018/4/19</a:t>
+              <a:t>2018/5/1</a:t>
             </a:fld>
             <a:endParaRPr lang="zh-TW" altLang="en-US"/>
           </a:p>
@@ -552,7 +553,7 @@
           <a:p>
             <a:fld id="{74EBD68E-929B-4386-9327-0474ED9E4509}" type="datetimeFigureOut">
               <a:rPr lang="zh-TW" altLang="en-US" smtClean="0"/>
-              <a:t>2018/4/19</a:t>
+              <a:t>2018/5/1</a:t>
             </a:fld>
             <a:endParaRPr lang="zh-TW" altLang="en-US"/>
           </a:p>
@@ -808,7 +809,7 @@
           <a:p>
             <a:fld id="{74EBD68E-929B-4386-9327-0474ED9E4509}" type="datetimeFigureOut">
               <a:rPr lang="zh-TW" altLang="en-US" smtClean="0"/>
-              <a:t>2018/4/19</a:t>
+              <a:t>2018/5/1</a:t>
             </a:fld>
             <a:endParaRPr lang="zh-TW" altLang="en-US"/>
           </a:p>
@@ -982,7 +983,7 @@
           <a:p>
             <a:fld id="{74EBD68E-929B-4386-9327-0474ED9E4509}" type="datetimeFigureOut">
               <a:rPr lang="zh-TW" altLang="en-US" smtClean="0"/>
-              <a:t>2018/4/19</a:t>
+              <a:t>2018/5/1</a:t>
             </a:fld>
             <a:endParaRPr lang="zh-TW" altLang="en-US"/>
           </a:p>
@@ -1317,7 +1318,7 @@
           <a:p>
             <a:fld id="{74EBD68E-929B-4386-9327-0474ED9E4509}" type="datetimeFigureOut">
               <a:rPr lang="zh-TW" altLang="en-US" smtClean="0"/>
-              <a:t>2018/4/19</a:t>
+              <a:t>2018/5/1</a:t>
             </a:fld>
             <a:endParaRPr lang="zh-TW" altLang="en-US"/>
           </a:p>
@@ -1592,7 +1593,7 @@
           <a:p>
             <a:fld id="{74EBD68E-929B-4386-9327-0474ED9E4509}" type="datetimeFigureOut">
               <a:rPr lang="zh-TW" altLang="en-US" smtClean="0"/>
-              <a:t>2018/4/19</a:t>
+              <a:t>2018/5/1</a:t>
             </a:fld>
             <a:endParaRPr lang="zh-TW" altLang="en-US"/>
           </a:p>
@@ -1971,7 +1972,7 @@
           <a:p>
             <a:fld id="{74EBD68E-929B-4386-9327-0474ED9E4509}" type="datetimeFigureOut">
               <a:rPr lang="zh-TW" altLang="en-US" smtClean="0"/>
-              <a:t>2018/4/19</a:t>
+              <a:t>2018/5/1</a:t>
             </a:fld>
             <a:endParaRPr lang="zh-TW" altLang="en-US"/>
           </a:p>
@@ -2089,7 +2090,7 @@
           <a:p>
             <a:fld id="{74EBD68E-929B-4386-9327-0474ED9E4509}" type="datetimeFigureOut">
               <a:rPr lang="zh-TW" altLang="en-US" smtClean="0"/>
-              <a:t>2018/4/19</a:t>
+              <a:t>2018/5/1</a:t>
             </a:fld>
             <a:endParaRPr lang="zh-TW" altLang="en-US"/>
           </a:p>
@@ -2260,7 +2261,7 @@
           <a:p>
             <a:fld id="{74EBD68E-929B-4386-9327-0474ED9E4509}" type="datetimeFigureOut">
               <a:rPr lang="zh-TW" altLang="en-US" smtClean="0"/>
-              <a:t>2018/4/19</a:t>
+              <a:t>2018/5/1</a:t>
             </a:fld>
             <a:endParaRPr lang="zh-TW" altLang="en-US"/>
           </a:p>
@@ -2614,7 +2615,7 @@
           <a:p>
             <a:fld id="{74EBD68E-929B-4386-9327-0474ED9E4509}" type="datetimeFigureOut">
               <a:rPr lang="zh-TW" altLang="en-US" smtClean="0"/>
-              <a:t>2018/4/19</a:t>
+              <a:t>2018/5/1</a:t>
             </a:fld>
             <a:endParaRPr lang="zh-TW" altLang="en-US"/>
           </a:p>
@@ -2996,7 +2997,7 @@
           <a:p>
             <a:fld id="{74EBD68E-929B-4386-9327-0474ED9E4509}" type="datetimeFigureOut">
               <a:rPr lang="zh-TW" altLang="en-US" smtClean="0"/>
-              <a:t>2018/4/19</a:t>
+              <a:t>2018/5/1</a:t>
             </a:fld>
             <a:endParaRPr lang="zh-TW" altLang="en-US"/>
           </a:p>
@@ -3293,7 +3294,7 @@
           <a:p>
             <a:fld id="{74EBD68E-929B-4386-9327-0474ED9E4509}" type="datetimeFigureOut">
               <a:rPr lang="zh-TW" altLang="en-US" smtClean="0"/>
-              <a:t>2018/4/19</a:t>
+              <a:t>2018/5/1</a:t>
             </a:fld>
             <a:endParaRPr lang="zh-TW" altLang="en-US"/>
           </a:p>
@@ -3822,7 +3823,7 @@
           <p:cNvPr id="2" name="標題 1">
             <a:extLst>
               <a:ext uri="{FF2B5EF4-FFF2-40B4-BE49-F238E27FC236}">
-                <a16:creationId xmlns:a16="http://schemas.microsoft.com/office/drawing/2014/main" id="{A4F4B280-7143-4222-9227-90D6AE7BCF7F}"/>
+                <a16:creationId xmlns:a16="http://schemas.microsoft.com/office/drawing/2014/main" xmlns="" id="{A4F4B280-7143-4222-9227-90D6AE7BCF7F}"/>
               </a:ext>
             </a:extLst>
           </p:cNvPr>
@@ -3833,7 +3834,12 @@
             <p:ph type="ctrTitle"/>
           </p:nvPr>
         </p:nvSpPr>
-        <p:spPr/>
+        <p:spPr>
+          <a:xfrm>
+            <a:off x="1097280" y="771831"/>
+            <a:ext cx="10058400" cy="3566160"/>
+          </a:xfrm>
+        </p:spPr>
         <p:txBody>
           <a:bodyPr/>
           <a:lstStyle/>
@@ -3853,7 +3859,7 @@
           <p:cNvPr id="3" name="副標題 2">
             <a:extLst>
               <a:ext uri="{FF2B5EF4-FFF2-40B4-BE49-F238E27FC236}">
-                <a16:creationId xmlns:a16="http://schemas.microsoft.com/office/drawing/2014/main" id="{50AB4F42-65DC-4DCE-B6F9-249F1AE04B50}"/>
+                <a16:creationId xmlns:a16="http://schemas.microsoft.com/office/drawing/2014/main" xmlns="" id="{50AB4F42-65DC-4DCE-B6F9-249F1AE04B50}"/>
               </a:ext>
             </a:extLst>
           </p:cNvPr>
@@ -3942,7 +3948,7 @@
           <p:cNvPr id="2" name="標題 1">
             <a:extLst>
               <a:ext uri="{FF2B5EF4-FFF2-40B4-BE49-F238E27FC236}">
-                <a16:creationId xmlns:a16="http://schemas.microsoft.com/office/drawing/2014/main" id="{4081DF86-B2EB-4C6F-BBEE-863C05B52909}"/>
+                <a16:creationId xmlns:a16="http://schemas.microsoft.com/office/drawing/2014/main" xmlns="" id="{4081DF86-B2EB-4C6F-BBEE-863C05B52909}"/>
               </a:ext>
             </a:extLst>
           </p:cNvPr>
@@ -3977,7 +3983,7 @@
           <p:cNvPr id="3" name="內容版面配置區 2">
             <a:extLst>
               <a:ext uri="{FF2B5EF4-FFF2-40B4-BE49-F238E27FC236}">
-                <a16:creationId xmlns:a16="http://schemas.microsoft.com/office/drawing/2014/main" id="{ECA2519B-5B2D-4B93-90CB-9F29848F802D}"/>
+                <a16:creationId xmlns:a16="http://schemas.microsoft.com/office/drawing/2014/main" xmlns="" id="{ECA2519B-5B2D-4B93-90CB-9F29848F802D}"/>
               </a:ext>
             </a:extLst>
           </p:cNvPr>
@@ -4122,7 +4128,7 @@
           <p:cNvPr id="5" name="文字方塊 4">
             <a:extLst>
               <a:ext uri="{FF2B5EF4-FFF2-40B4-BE49-F238E27FC236}">
-                <a16:creationId xmlns:a16="http://schemas.microsoft.com/office/drawing/2014/main" id="{455FB3EF-F072-4582-8D93-573277D8CA53}"/>
+                <a16:creationId xmlns:a16="http://schemas.microsoft.com/office/drawing/2014/main" xmlns="" id="{455FB3EF-F072-4582-8D93-573277D8CA53}"/>
               </a:ext>
             </a:extLst>
           </p:cNvPr>
@@ -4259,7 +4265,7 @@
           <p:cNvPr id="2" name="標題 1">
             <a:extLst>
               <a:ext uri="{FF2B5EF4-FFF2-40B4-BE49-F238E27FC236}">
-                <a16:creationId xmlns:a16="http://schemas.microsoft.com/office/drawing/2014/main" id="{67603EB4-06AE-46A9-98D0-E3B579090089}"/>
+                <a16:creationId xmlns:a16="http://schemas.microsoft.com/office/drawing/2014/main" xmlns="" id="{67603EB4-06AE-46A9-98D0-E3B579090089}"/>
               </a:ext>
             </a:extLst>
           </p:cNvPr>
@@ -4294,7 +4300,7 @@
           <p:cNvPr id="3" name="內容版面配置區 2">
             <a:extLst>
               <a:ext uri="{FF2B5EF4-FFF2-40B4-BE49-F238E27FC236}">
-                <a16:creationId xmlns:a16="http://schemas.microsoft.com/office/drawing/2014/main" id="{A9ED2B81-B3ED-45E3-A04F-CC52C3CFBE5B}"/>
+                <a16:creationId xmlns:a16="http://schemas.microsoft.com/office/drawing/2014/main" xmlns="" id="{A9ED2B81-B3ED-45E3-A04F-CC52C3CFBE5B}"/>
               </a:ext>
             </a:extLst>
           </p:cNvPr>
@@ -4385,7 +4391,7 @@
           <p:nvPr/>
         </p:nvPicPr>
         <p:blipFill>
-          <a:blip r:embed="rId2">
+          <a:blip r:embed="rId2" cstate="print">
             <a:extLst>
               <a:ext uri="{28A0092B-C50C-407E-A947-70E740481C1C}">
                 <a14:useLocalDpi xmlns:a14="http://schemas.microsoft.com/office/drawing/2010/main" val="0"/>
@@ -4451,7 +4457,7 @@
           <p:cNvPr id="2" name="標題 1">
             <a:extLst>
               <a:ext uri="{FF2B5EF4-FFF2-40B4-BE49-F238E27FC236}">
-                <a16:creationId xmlns:a16="http://schemas.microsoft.com/office/drawing/2014/main" id="{AC59D601-9C96-430F-BC85-8450C4649A79}"/>
+                <a16:creationId xmlns:a16="http://schemas.microsoft.com/office/drawing/2014/main" xmlns="" id="{AC59D601-9C96-430F-BC85-8450C4649A79}"/>
               </a:ext>
             </a:extLst>
           </p:cNvPr>
@@ -4486,7 +4492,7 @@
           <p:cNvPr id="3" name="內容版面配置區 2">
             <a:extLst>
               <a:ext uri="{FF2B5EF4-FFF2-40B4-BE49-F238E27FC236}">
-                <a16:creationId xmlns:a16="http://schemas.microsoft.com/office/drawing/2014/main" id="{71FFD410-E655-458F-B912-FB5D358C096D}"/>
+                <a16:creationId xmlns:a16="http://schemas.microsoft.com/office/drawing/2014/main" xmlns="" id="{71FFD410-E655-458F-B912-FB5D358C096D}"/>
               </a:ext>
             </a:extLst>
           </p:cNvPr>
@@ -4639,7 +4645,7 @@
           <p:cNvPr id="4" name="內容版面配置區 2">
             <a:extLst>
               <a:ext uri="{FF2B5EF4-FFF2-40B4-BE49-F238E27FC236}">
-                <a16:creationId xmlns:a16="http://schemas.microsoft.com/office/drawing/2014/main" id="{ACF3CE4F-D21D-41A0-A8EF-ECD439351917}"/>
+                <a16:creationId xmlns:a16="http://schemas.microsoft.com/office/drawing/2014/main" xmlns="" id="{ACF3CE4F-D21D-41A0-A8EF-ECD439351917}"/>
               </a:ext>
             </a:extLst>
           </p:cNvPr>
@@ -5046,7 +5052,7 @@
           <p:cNvPr id="2" name="標題 1">
             <a:extLst>
               <a:ext uri="{FF2B5EF4-FFF2-40B4-BE49-F238E27FC236}">
-                <a16:creationId xmlns:a16="http://schemas.microsoft.com/office/drawing/2014/main" id="{AC59D601-9C96-430F-BC85-8450C4649A79}"/>
+                <a16:creationId xmlns:a16="http://schemas.microsoft.com/office/drawing/2014/main" xmlns="" id="{AC59D601-9C96-430F-BC85-8450C4649A79}"/>
               </a:ext>
             </a:extLst>
           </p:cNvPr>
@@ -5081,7 +5087,7 @@
           <p:cNvPr id="3" name="內容版面配置區 2">
             <a:extLst>
               <a:ext uri="{FF2B5EF4-FFF2-40B4-BE49-F238E27FC236}">
-                <a16:creationId xmlns:a16="http://schemas.microsoft.com/office/drawing/2014/main" id="{71FFD410-E655-458F-B912-FB5D358C096D}"/>
+                <a16:creationId xmlns:a16="http://schemas.microsoft.com/office/drawing/2014/main" xmlns="" id="{71FFD410-E655-458F-B912-FB5D358C096D}"/>
               </a:ext>
             </a:extLst>
           </p:cNvPr>
@@ -5234,7 +5240,7 @@
           <p:cNvPr id="4" name="內容版面配置區 2">
             <a:extLst>
               <a:ext uri="{FF2B5EF4-FFF2-40B4-BE49-F238E27FC236}">
-                <a16:creationId xmlns:a16="http://schemas.microsoft.com/office/drawing/2014/main" id="{ACF3CE4F-D21D-41A0-A8EF-ECD439351917}"/>
+                <a16:creationId xmlns:a16="http://schemas.microsoft.com/office/drawing/2014/main" xmlns="" id="{ACF3CE4F-D21D-41A0-A8EF-ECD439351917}"/>
               </a:ext>
             </a:extLst>
           </p:cNvPr>
@@ -5671,7 +5677,7 @@
           <p:cNvPr id="2" name="標題 1">
             <a:extLst>
               <a:ext uri="{FF2B5EF4-FFF2-40B4-BE49-F238E27FC236}">
-                <a16:creationId xmlns:a16="http://schemas.microsoft.com/office/drawing/2014/main" id="{A1158003-AE86-41C1-9720-35C9B204A3FB}"/>
+                <a16:creationId xmlns:a16="http://schemas.microsoft.com/office/drawing/2014/main" xmlns="" id="{A1158003-AE86-41C1-9720-35C9B204A3FB}"/>
               </a:ext>
             </a:extLst>
           </p:cNvPr>
@@ -5706,7 +5712,7 @@
           <p:cNvPr id="3" name="內容版面配置區 2">
             <a:extLst>
               <a:ext uri="{FF2B5EF4-FFF2-40B4-BE49-F238E27FC236}">
-                <a16:creationId xmlns:a16="http://schemas.microsoft.com/office/drawing/2014/main" id="{8608F4E1-31A7-4018-A470-B9625DAF32FC}"/>
+                <a16:creationId xmlns:a16="http://schemas.microsoft.com/office/drawing/2014/main" xmlns="" id="{8608F4E1-31A7-4018-A470-B9625DAF32FC}"/>
               </a:ext>
             </a:extLst>
           </p:cNvPr>
@@ -5740,61 +5746,103 @@
           </a:p>
           <a:p>
             <a:r>
-              <a:rPr lang="en-US" altLang="zh-TW" dirty="0"/>
+              <a:rPr lang="en-US" altLang="zh-TW" dirty="0">
+                <a:latin typeface="微軟正黑體" panose="020B0604030504040204" pitchFamily="34" charset="-120"/>
+                <a:ea typeface="微軟正黑體" panose="020B0604030504040204" pitchFamily="34" charset="-120"/>
+              </a:rPr>
               <a:t>1.</a:t>
             </a:r>
             <a:r>
-              <a:rPr lang="zh-TW" altLang="zh-TW" dirty="0"/>
+              <a:rPr lang="zh-TW" altLang="zh-TW" dirty="0">
+                <a:latin typeface="微軟正黑體" panose="020B0604030504040204" pitchFamily="34" charset="-120"/>
+                <a:ea typeface="微軟正黑體" panose="020B0604030504040204" pitchFamily="34" charset="-120"/>
+              </a:rPr>
               <a:t>台灣遊</a:t>
             </a:r>
             <a:r>
-              <a:rPr lang="en-US" altLang="zh-TW" dirty="0"/>
+              <a:rPr lang="en-US" altLang="zh-TW" dirty="0">
+                <a:latin typeface="微軟正黑體" panose="020B0604030504040204" pitchFamily="34" charset="-120"/>
+                <a:ea typeface="微軟正黑體" panose="020B0604030504040204" pitchFamily="34" charset="-120"/>
+              </a:rPr>
               <a:t>GO</a:t>
             </a:r>
             <a:r>
-              <a:rPr lang="zh-TW" altLang="zh-TW" dirty="0"/>
+              <a:rPr lang="zh-TW" altLang="zh-TW" dirty="0">
+                <a:latin typeface="微軟正黑體" panose="020B0604030504040204" pitchFamily="34" charset="-120"/>
+                <a:ea typeface="微軟正黑體" panose="020B0604030504040204" pitchFamily="34" charset="-120"/>
+              </a:rPr>
               <a:t>廟</a:t>
             </a:r>
             <a:r>
-              <a:rPr lang="en-US" altLang="zh-TW" dirty="0"/>
+              <a:rPr lang="en-US" altLang="zh-TW" dirty="0">
+                <a:latin typeface="微軟正黑體" panose="020B0604030504040204" pitchFamily="34" charset="-120"/>
+                <a:ea typeface="微軟正黑體" panose="020B0604030504040204" pitchFamily="34" charset="-120"/>
+              </a:rPr>
               <a:t> : </a:t>
             </a:r>
             <a:r>
-              <a:rPr lang="zh-TW" altLang="zh-TW" dirty="0"/>
+              <a:rPr lang="zh-TW" altLang="zh-TW" dirty="0">
+                <a:latin typeface="微軟正黑體" panose="020B0604030504040204" pitchFamily="34" charset="-120"/>
+                <a:ea typeface="微軟正黑體" panose="020B0604030504040204" pitchFamily="34" charset="-120"/>
+              </a:rPr>
               <a:t>此</a:t>
             </a:r>
             <a:r>
-              <a:rPr lang="en-US" altLang="zh-TW" dirty="0"/>
+              <a:rPr lang="en-US" altLang="zh-TW" dirty="0">
+                <a:latin typeface="微軟正黑體" panose="020B0604030504040204" pitchFamily="34" charset="-120"/>
+                <a:ea typeface="微軟正黑體" panose="020B0604030504040204" pitchFamily="34" charset="-120"/>
+              </a:rPr>
               <a:t>APP</a:t>
             </a:r>
             <a:r>
-              <a:rPr lang="zh-TW" altLang="zh-TW" dirty="0"/>
+              <a:rPr lang="zh-TW" altLang="zh-TW" dirty="0">
+                <a:latin typeface="微軟正黑體" panose="020B0604030504040204" pitchFamily="34" charset="-120"/>
+                <a:ea typeface="微軟正黑體" panose="020B0604030504040204" pitchFamily="34" charset="-120"/>
+              </a:rPr>
               <a:t>以縣市列出台灣宮廟，也有關於各式宮廟物品，例如香品、手工藝、琉璃等文創物品的網路販售，以及最新消息。此</a:t>
             </a:r>
             <a:r>
-              <a:rPr lang="en-US" altLang="zh-TW" dirty="0"/>
+              <a:rPr lang="en-US" altLang="zh-TW" dirty="0">
+                <a:latin typeface="微軟正黑體" panose="020B0604030504040204" pitchFamily="34" charset="-120"/>
+                <a:ea typeface="微軟正黑體" panose="020B0604030504040204" pitchFamily="34" charset="-120"/>
+              </a:rPr>
               <a:t>APP</a:t>
             </a:r>
             <a:r>
-              <a:rPr lang="zh-TW" altLang="zh-TW" dirty="0"/>
+              <a:rPr lang="zh-TW" altLang="zh-TW" dirty="0">
+                <a:latin typeface="微軟正黑體" panose="020B0604030504040204" pitchFamily="34" charset="-120"/>
+                <a:ea typeface="微軟正黑體" panose="020B0604030504040204" pitchFamily="34" charset="-120"/>
+              </a:rPr>
               <a:t>雖然還在上架中，但已經沒有繼續維護，資訊也都顯示不出來了。</a:t>
             </a:r>
           </a:p>
           <a:p>
             <a:r>
-              <a:rPr lang="en-US" altLang="zh-TW" dirty="0"/>
+              <a:rPr lang="en-US" altLang="zh-TW" dirty="0">
+                <a:latin typeface="微軟正黑體" panose="020B0604030504040204" pitchFamily="34" charset="-120"/>
+                <a:ea typeface="微軟正黑體" panose="020B0604030504040204" pitchFamily="34" charset="-120"/>
+              </a:rPr>
               <a:t>2. </a:t>
             </a:r>
             <a:r>
-              <a:rPr lang="zh-TW" altLang="zh-TW" dirty="0"/>
+              <a:rPr lang="zh-TW" altLang="zh-TW" dirty="0">
+                <a:latin typeface="微軟正黑體" panose="020B0604030504040204" pitchFamily="34" charset="-120"/>
+                <a:ea typeface="微軟正黑體" panose="020B0604030504040204" pitchFamily="34" charset="-120"/>
+              </a:rPr>
               <a:t>拜拜網</a:t>
             </a:r>
             <a:r>
-              <a:rPr lang="en-US" altLang="zh-TW" dirty="0"/>
+              <a:rPr lang="en-US" altLang="zh-TW" dirty="0">
+                <a:latin typeface="微軟正黑體" panose="020B0604030504040204" pitchFamily="34" charset="-120"/>
+                <a:ea typeface="微軟正黑體" panose="020B0604030504040204" pitchFamily="34" charset="-120"/>
+              </a:rPr>
               <a:t> : </a:t>
             </a:r>
             <a:r>
-              <a:rPr lang="zh-TW" altLang="zh-TW" dirty="0"/>
+              <a:rPr lang="zh-TW" altLang="zh-TW" dirty="0">
+                <a:latin typeface="微軟正黑體" panose="020B0604030504040204" pitchFamily="34" charset="-120"/>
+                <a:ea typeface="微軟正黑體" panose="020B0604030504040204" pitchFamily="34" charset="-120"/>
+              </a:rPr>
               <a:t>此網站的宮廟資訊，是依縣市來劃分宮廟，也有網路點燈、祈福，以及各種宗教的介紹。不過我們希望做出能夠便利民眾使用的產品，雖然此網站內容豐富，但搜尋上卻不是這麼便利，我們的產品有多種劃分方式，幫助使用者更快速找出所需的宮廟，並且提供停車資訊等讓使用者更方便的功能。</a:t>
             </a:r>
           </a:p>
@@ -5804,19 +5852,35 @@
               <a:buChar char="l"/>
             </a:pPr>
             <a:r>
-              <a:rPr lang="zh-TW" altLang="zh-TW" b="1" dirty="0" smtClean="0"/>
+              <a:rPr lang="zh-TW" altLang="zh-TW" b="1" dirty="0" smtClean="0">
+                <a:latin typeface="微軟正黑體" panose="020B0604030504040204" pitchFamily="34" charset="-120"/>
+                <a:ea typeface="微軟正黑體" panose="020B0604030504040204" pitchFamily="34" charset="-120"/>
+              </a:rPr>
               <a:t>使用</a:t>
             </a:r>
             <a:r>
-              <a:rPr lang="zh-TW" altLang="zh-TW" b="1" dirty="0"/>
+              <a:rPr lang="zh-TW" altLang="zh-TW" b="1" dirty="0">
+                <a:latin typeface="微軟正黑體" panose="020B0604030504040204" pitchFamily="34" charset="-120"/>
+                <a:ea typeface="微軟正黑體" panose="020B0604030504040204" pitchFamily="34" charset="-120"/>
+              </a:rPr>
               <a:t>對象</a:t>
             </a:r>
-            <a:endParaRPr lang="zh-TW" altLang="zh-TW" dirty="0"/>
-          </a:p>
-          <a:p>
+            <a:endParaRPr lang="zh-TW" altLang="zh-TW" dirty="0">
+              <a:latin typeface="微軟正黑體" panose="020B0604030504040204" pitchFamily="34" charset="-120"/>
+              <a:ea typeface="微軟正黑體" panose="020B0604030504040204" pitchFamily="34" charset="-120"/>
+            </a:endParaRPr>
+          </a:p>
+          <a:p>
+            <a:r>
+              <a:rPr lang="zh-TW" altLang="zh-TW" dirty="0">
+                <a:latin typeface="微軟正黑體" panose="020B0604030504040204" pitchFamily="34" charset="-120"/>
+                <a:ea typeface="微軟正黑體" panose="020B0604030504040204" pitchFamily="34" charset="-120"/>
+              </a:rPr>
+              <a:t>本產品的使用對象為喜歡宮廟文化，喜歡繞境文化，有信仰但沒有行動力的人</a:t>
+            </a:r>
             <a:r>
               <a:rPr lang="zh-TW" altLang="zh-TW" dirty="0"/>
-              <a:t>本產品的使用對象為喜歡宮廟文化，喜歡繞境文化，有信仰但沒有行動力的人。</a:t>
+              <a:t>。</a:t>
             </a:r>
           </a:p>
           <a:p>
@@ -5841,6 +5905,240 @@
 </file>
 
 <file path=ppt/slides/slide7.xml><?xml version="1.0" encoding="utf-8"?>
+<p:sld xmlns:a="http://schemas.openxmlformats.org/drawingml/2006/main" xmlns:r="http://schemas.openxmlformats.org/officeDocument/2006/relationships" xmlns:p="http://schemas.openxmlformats.org/presentationml/2006/main">
+  <p:cSld>
+    <p:spTree>
+      <p:nvGrpSpPr>
+        <p:cNvPr id="1" name=""/>
+        <p:cNvGrpSpPr/>
+        <p:nvPr/>
+      </p:nvGrpSpPr>
+      <p:grpSpPr>
+        <a:xfrm>
+          <a:off x="0" y="0"/>
+          <a:ext cx="0" cy="0"/>
+          <a:chOff x="0" y="0"/>
+          <a:chExt cx="0" cy="0"/>
+        </a:xfrm>
+      </p:grpSpPr>
+      <p:sp>
+        <p:nvSpPr>
+          <p:cNvPr id="2" name="標題 1"/>
+          <p:cNvSpPr>
+            <a:spLocks noGrp="1"/>
+          </p:cNvSpPr>
+          <p:nvPr>
+            <p:ph type="title"/>
+          </p:nvPr>
+        </p:nvSpPr>
+        <p:spPr/>
+        <p:txBody>
+          <a:bodyPr/>
+          <a:lstStyle/>
+          <a:p>
+            <a:r>
+              <a:rPr lang="zh-TW" altLang="en-US" dirty="0" smtClean="0">
+                <a:latin typeface="微軟正黑體" panose="020B0604030504040204" pitchFamily="34" charset="-120"/>
+                <a:ea typeface="微軟正黑體" panose="020B0604030504040204" pitchFamily="34" charset="-120"/>
+              </a:rPr>
+              <a:t>報告前後差異</a:t>
+            </a:r>
+            <a:endParaRPr lang="zh-TW" altLang="en-US" dirty="0">
+              <a:latin typeface="微軟正黑體" panose="020B0604030504040204" pitchFamily="34" charset="-120"/>
+              <a:ea typeface="微軟正黑體" panose="020B0604030504040204" pitchFamily="34" charset="-120"/>
+            </a:endParaRPr>
+          </a:p>
+        </p:txBody>
+      </p:sp>
+      <p:sp>
+        <p:nvSpPr>
+          <p:cNvPr id="3" name="內容版面配置區 2"/>
+          <p:cNvSpPr>
+            <a:spLocks noGrp="1"/>
+          </p:cNvSpPr>
+          <p:nvPr>
+            <p:ph idx="1"/>
+          </p:nvPr>
+        </p:nvSpPr>
+        <p:spPr/>
+        <p:txBody>
+          <a:bodyPr/>
+          <a:lstStyle/>
+          <a:p>
+            <a:r>
+              <a:rPr lang="zh-TW" altLang="en-US" b="1" dirty="0" smtClean="0">
+                <a:latin typeface="微軟正黑體" panose="020B0604030504040204" pitchFamily="34" charset="-120"/>
+                <a:ea typeface="微軟正黑體" panose="020B0604030504040204" pitchFamily="34" charset="-120"/>
+              </a:rPr>
+              <a:t>老師提問</a:t>
+            </a:r>
+            <a:r>
+              <a:rPr lang="en-US" altLang="zh-TW" b="1" dirty="0" smtClean="0">
+                <a:latin typeface="微軟正黑體" panose="020B0604030504040204" pitchFamily="34" charset="-120"/>
+                <a:ea typeface="微軟正黑體" panose="020B0604030504040204" pitchFamily="34" charset="-120"/>
+              </a:rPr>
+              <a:t>:</a:t>
+            </a:r>
+          </a:p>
+          <a:p>
+            <a:pPr lvl="1"/>
+            <a:r>
+              <a:rPr lang="zh-TW" altLang="en-US" dirty="0" smtClean="0">
+                <a:latin typeface="微軟正黑體" panose="020B0604030504040204" pitchFamily="34" charset="-120"/>
+                <a:ea typeface="微軟正黑體" panose="020B0604030504040204" pitchFamily="34" charset="-120"/>
+              </a:rPr>
+              <a:t>如果只是把資訊統整，並不能顯示出產品特色</a:t>
+            </a:r>
+            <a:endParaRPr lang="en-US" altLang="zh-TW" dirty="0" smtClean="0">
+              <a:latin typeface="微軟正黑體" panose="020B0604030504040204" pitchFamily="34" charset="-120"/>
+              <a:ea typeface="微軟正黑體" panose="020B0604030504040204" pitchFamily="34" charset="-120"/>
+            </a:endParaRPr>
+          </a:p>
+          <a:p>
+            <a:r>
+              <a:rPr lang="zh-TW" altLang="en-US" b="1" dirty="0" smtClean="0">
+                <a:latin typeface="微軟正黑體" panose="020B0604030504040204" pitchFamily="34" charset="-120"/>
+                <a:ea typeface="微軟正黑體" panose="020B0604030504040204" pitchFamily="34" charset="-120"/>
+              </a:rPr>
+              <a:t>提出解決方案</a:t>
+            </a:r>
+            <a:r>
+              <a:rPr lang="en-US" altLang="zh-TW" b="1" dirty="0" smtClean="0">
+                <a:latin typeface="微軟正黑體" panose="020B0604030504040204" pitchFamily="34" charset="-120"/>
+                <a:ea typeface="微軟正黑體" panose="020B0604030504040204" pitchFamily="34" charset="-120"/>
+              </a:rPr>
+              <a:t>:</a:t>
+            </a:r>
+          </a:p>
+          <a:p>
+            <a:pPr lvl="1"/>
+            <a:r>
+              <a:rPr lang="zh-TW" altLang="en-US" dirty="0" smtClean="0">
+                <a:latin typeface="微軟正黑體" panose="020B0604030504040204" pitchFamily="34" charset="-120"/>
+                <a:ea typeface="微軟正黑體" panose="020B0604030504040204" pitchFamily="34" charset="-120"/>
+              </a:rPr>
+              <a:t>將加入線上點光明燈、文昌燈的服務，讓產品更加便利、完整。</a:t>
+            </a:r>
+            <a:endParaRPr lang="en-US" altLang="zh-TW" dirty="0" smtClean="0">
+              <a:latin typeface="微軟正黑體" panose="020B0604030504040204" pitchFamily="34" charset="-120"/>
+              <a:ea typeface="微軟正黑體" panose="020B0604030504040204" pitchFamily="34" charset="-120"/>
+            </a:endParaRPr>
+          </a:p>
+          <a:p>
+            <a:endParaRPr lang="en-US" altLang="zh-TW" dirty="0">
+              <a:latin typeface="微軟正黑體" panose="020B0604030504040204" pitchFamily="34" charset="-120"/>
+              <a:ea typeface="微軟正黑體" panose="020B0604030504040204" pitchFamily="34" charset="-120"/>
+            </a:endParaRPr>
+          </a:p>
+          <a:p>
+            <a:r>
+              <a:rPr lang="zh-TW" altLang="en-US" b="1" dirty="0" smtClean="0">
+                <a:latin typeface="微軟正黑體" panose="020B0604030504040204" pitchFamily="34" charset="-120"/>
+                <a:ea typeface="微軟正黑體" panose="020B0604030504040204" pitchFamily="34" charset="-120"/>
+              </a:rPr>
+              <a:t>產品改善</a:t>
+            </a:r>
+            <a:r>
+              <a:rPr lang="en-US" altLang="zh-TW" b="1" dirty="0" smtClean="0">
+                <a:latin typeface="微軟正黑體" panose="020B0604030504040204" pitchFamily="34" charset="-120"/>
+                <a:ea typeface="微軟正黑體" panose="020B0604030504040204" pitchFamily="34" charset="-120"/>
+              </a:rPr>
+              <a:t>:</a:t>
+            </a:r>
+          </a:p>
+          <a:p>
+            <a:pPr lvl="1"/>
+            <a:r>
+              <a:rPr lang="zh-TW" altLang="en-US" dirty="0" smtClean="0">
+                <a:latin typeface="微軟正黑體" panose="020B0604030504040204" pitchFamily="34" charset="-120"/>
+                <a:ea typeface="微軟正黑體" panose="020B0604030504040204" pitchFamily="34" charset="-120"/>
+              </a:rPr>
+              <a:t>現在的人並不會積極的下載</a:t>
+            </a:r>
+            <a:r>
+              <a:rPr lang="en-US" altLang="zh-TW" dirty="0" smtClean="0">
+                <a:latin typeface="微軟正黑體" panose="020B0604030504040204" pitchFamily="34" charset="-120"/>
+                <a:ea typeface="微軟正黑體" panose="020B0604030504040204" pitchFamily="34" charset="-120"/>
+              </a:rPr>
+              <a:t>APP</a:t>
+            </a:r>
+            <a:r>
+              <a:rPr lang="zh-TW" altLang="en-US" dirty="0" smtClean="0">
+                <a:latin typeface="微軟正黑體" panose="020B0604030504040204" pitchFamily="34" charset="-120"/>
+                <a:ea typeface="微軟正黑體" panose="020B0604030504040204" pitchFamily="34" charset="-120"/>
+              </a:rPr>
+              <a:t>使用，但極大部分的人都會有</a:t>
+            </a:r>
+            <a:r>
+              <a:rPr lang="en-US" altLang="zh-TW" dirty="0" smtClean="0">
+                <a:latin typeface="微軟正黑體" panose="020B0604030504040204" pitchFamily="34" charset="-120"/>
+                <a:ea typeface="微軟正黑體" panose="020B0604030504040204" pitchFamily="34" charset="-120"/>
+              </a:rPr>
+              <a:t>L</a:t>
+            </a:r>
+            <a:r>
+              <a:rPr lang="en-US" altLang="zh-TW" dirty="0" smtClean="0">
+                <a:latin typeface="微軟正黑體" panose="020B0604030504040204" pitchFamily="34" charset="-120"/>
+                <a:ea typeface="微軟正黑體" panose="020B0604030504040204" pitchFamily="34" charset="-120"/>
+              </a:rPr>
+              <a:t>INE</a:t>
+            </a:r>
+            <a:r>
+              <a:rPr lang="zh-TW" altLang="en-US" dirty="0" smtClean="0">
+                <a:latin typeface="微軟正黑體" panose="020B0604030504040204" pitchFamily="34" charset="-120"/>
+                <a:ea typeface="微軟正黑體" panose="020B0604030504040204" pitchFamily="34" charset="-120"/>
+              </a:rPr>
+              <a:t>，所以經過與子五元與老師的討論，我們決定以</a:t>
+            </a:r>
+            <a:r>
+              <a:rPr lang="en-US" altLang="zh-TW" dirty="0" smtClean="0">
+                <a:latin typeface="微軟正黑體" panose="020B0604030504040204" pitchFamily="34" charset="-120"/>
+                <a:ea typeface="微軟正黑體" panose="020B0604030504040204" pitchFamily="34" charset="-120"/>
+              </a:rPr>
+              <a:t>LINE</a:t>
+            </a:r>
+            <a:r>
+              <a:rPr lang="zh-TW" altLang="en-US" dirty="0" smtClean="0">
+                <a:latin typeface="微軟正黑體" panose="020B0604030504040204" pitchFamily="34" charset="-120"/>
+                <a:ea typeface="微軟正黑體" panose="020B0604030504040204" pitchFamily="34" charset="-120"/>
+              </a:rPr>
+              <a:t> </a:t>
+            </a:r>
+            <a:r>
+              <a:rPr lang="en-US" altLang="zh-TW" dirty="0" smtClean="0">
+                <a:latin typeface="微軟正黑體" panose="020B0604030504040204" pitchFamily="34" charset="-120"/>
+                <a:ea typeface="微軟正黑體" panose="020B0604030504040204" pitchFamily="34" charset="-120"/>
+              </a:rPr>
+              <a:t>CHATBOT</a:t>
+            </a:r>
+            <a:r>
+              <a:rPr lang="zh-TW" altLang="en-US" dirty="0" smtClean="0">
+                <a:latin typeface="微軟正黑體" panose="020B0604030504040204" pitchFamily="34" charset="-120"/>
+                <a:ea typeface="微軟正黑體" panose="020B0604030504040204" pitchFamily="34" charset="-120"/>
+              </a:rPr>
+              <a:t>的方式推出產品，希望能讓更多人使用。</a:t>
+            </a:r>
+            <a:endParaRPr lang="zh-TW" altLang="en-US" dirty="0">
+              <a:latin typeface="微軟正黑體" panose="020B0604030504040204" pitchFamily="34" charset="-120"/>
+              <a:ea typeface="微軟正黑體" panose="020B0604030504040204" pitchFamily="34" charset="-120"/>
+            </a:endParaRPr>
+          </a:p>
+        </p:txBody>
+      </p:sp>
+    </p:spTree>
+    <p:extLst>
+      <p:ext uri="{BB962C8B-B14F-4D97-AF65-F5344CB8AC3E}">
+        <p14:creationId xmlns:p14="http://schemas.microsoft.com/office/powerpoint/2010/main" val="421080887"/>
+      </p:ext>
+    </p:extLst>
+  </p:cSld>
+  <p:clrMapOvr>
+    <a:masterClrMapping/>
+  </p:clrMapOvr>
+</p:sld>
+</file>
+
+<file path=ppt/slides/slide8.xml><?xml version="1.0" encoding="utf-8"?>
 <p:sld xmlns:a="http://schemas.openxmlformats.org/drawingml/2006/main" xmlns:r="http://schemas.openxmlformats.org/officeDocument/2006/relationships" xmlns:p="http://schemas.openxmlformats.org/presentationml/2006/main">
   <p:cSld>
     <p:spTree>
@@ -5885,7 +6183,7 @@
           <p:cNvPr id="2" name="標題 1">
             <a:extLst>
               <a:ext uri="{FF2B5EF4-FFF2-40B4-BE49-F238E27FC236}">
-                <a16:creationId xmlns:a16="http://schemas.microsoft.com/office/drawing/2014/main" id="{E790CE11-5081-4718-ADF2-CD1CE83E11BF}"/>
+                <a16:creationId xmlns:a16="http://schemas.microsoft.com/office/drawing/2014/main" xmlns="" id="{E790CE11-5081-4718-ADF2-CD1CE83E11BF}"/>
               </a:ext>
             </a:extLst>
           </p:cNvPr>

--- a/M10615110/M10615110_HW1.pptx
+++ b/M10615110/M10615110_HW1.pptx
@@ -3823,7 +3823,7 @@
           <p:cNvPr id="2" name="標題 1">
             <a:extLst>
               <a:ext uri="{FF2B5EF4-FFF2-40B4-BE49-F238E27FC236}">
-                <a16:creationId xmlns:a16="http://schemas.microsoft.com/office/drawing/2014/main" xmlns="" id="{A4F4B280-7143-4222-9227-90D6AE7BCF7F}"/>
+                <a16:creationId xmlns="" xmlns:a16="http://schemas.microsoft.com/office/drawing/2014/main" id="{A4F4B280-7143-4222-9227-90D6AE7BCF7F}"/>
               </a:ext>
             </a:extLst>
           </p:cNvPr>
@@ -3859,7 +3859,7 @@
           <p:cNvPr id="3" name="副標題 2">
             <a:extLst>
               <a:ext uri="{FF2B5EF4-FFF2-40B4-BE49-F238E27FC236}">
-                <a16:creationId xmlns:a16="http://schemas.microsoft.com/office/drawing/2014/main" xmlns="" id="{50AB4F42-65DC-4DCE-B6F9-249F1AE04B50}"/>
+                <a16:creationId xmlns="" xmlns:a16="http://schemas.microsoft.com/office/drawing/2014/main" id="{50AB4F42-65DC-4DCE-B6F9-249F1AE04B50}"/>
               </a:ext>
             </a:extLst>
           </p:cNvPr>
@@ -3948,7 +3948,7 @@
           <p:cNvPr id="2" name="標題 1">
             <a:extLst>
               <a:ext uri="{FF2B5EF4-FFF2-40B4-BE49-F238E27FC236}">
-                <a16:creationId xmlns:a16="http://schemas.microsoft.com/office/drawing/2014/main" xmlns="" id="{4081DF86-B2EB-4C6F-BBEE-863C05B52909}"/>
+                <a16:creationId xmlns="" xmlns:a16="http://schemas.microsoft.com/office/drawing/2014/main" id="{4081DF86-B2EB-4C6F-BBEE-863C05B52909}"/>
               </a:ext>
             </a:extLst>
           </p:cNvPr>
@@ -3983,7 +3983,7 @@
           <p:cNvPr id="3" name="內容版面配置區 2">
             <a:extLst>
               <a:ext uri="{FF2B5EF4-FFF2-40B4-BE49-F238E27FC236}">
-                <a16:creationId xmlns:a16="http://schemas.microsoft.com/office/drawing/2014/main" xmlns="" id="{ECA2519B-5B2D-4B93-90CB-9F29848F802D}"/>
+                <a16:creationId xmlns="" xmlns:a16="http://schemas.microsoft.com/office/drawing/2014/main" id="{ECA2519B-5B2D-4B93-90CB-9F29848F802D}"/>
               </a:ext>
             </a:extLst>
           </p:cNvPr>
@@ -4128,7 +4128,7 @@
           <p:cNvPr id="5" name="文字方塊 4">
             <a:extLst>
               <a:ext uri="{FF2B5EF4-FFF2-40B4-BE49-F238E27FC236}">
-                <a16:creationId xmlns:a16="http://schemas.microsoft.com/office/drawing/2014/main" xmlns="" id="{455FB3EF-F072-4582-8D93-573277D8CA53}"/>
+                <a16:creationId xmlns="" xmlns:a16="http://schemas.microsoft.com/office/drawing/2014/main" id="{455FB3EF-F072-4582-8D93-573277D8CA53}"/>
               </a:ext>
             </a:extLst>
           </p:cNvPr>
@@ -4265,7 +4265,7 @@
           <p:cNvPr id="2" name="標題 1">
             <a:extLst>
               <a:ext uri="{FF2B5EF4-FFF2-40B4-BE49-F238E27FC236}">
-                <a16:creationId xmlns:a16="http://schemas.microsoft.com/office/drawing/2014/main" xmlns="" id="{67603EB4-06AE-46A9-98D0-E3B579090089}"/>
+                <a16:creationId xmlns="" xmlns:a16="http://schemas.microsoft.com/office/drawing/2014/main" id="{67603EB4-06AE-46A9-98D0-E3B579090089}"/>
               </a:ext>
             </a:extLst>
           </p:cNvPr>
@@ -4300,7 +4300,7 @@
           <p:cNvPr id="3" name="內容版面配置區 2">
             <a:extLst>
               <a:ext uri="{FF2B5EF4-FFF2-40B4-BE49-F238E27FC236}">
-                <a16:creationId xmlns:a16="http://schemas.microsoft.com/office/drawing/2014/main" xmlns="" id="{A9ED2B81-B3ED-45E3-A04F-CC52C3CFBE5B}"/>
+                <a16:creationId xmlns="" xmlns:a16="http://schemas.microsoft.com/office/drawing/2014/main" id="{A9ED2B81-B3ED-45E3-A04F-CC52C3CFBE5B}"/>
               </a:ext>
             </a:extLst>
           </p:cNvPr>
@@ -4457,7 +4457,7 @@
           <p:cNvPr id="2" name="標題 1">
             <a:extLst>
               <a:ext uri="{FF2B5EF4-FFF2-40B4-BE49-F238E27FC236}">
-                <a16:creationId xmlns:a16="http://schemas.microsoft.com/office/drawing/2014/main" xmlns="" id="{AC59D601-9C96-430F-BC85-8450C4649A79}"/>
+                <a16:creationId xmlns="" xmlns:a16="http://schemas.microsoft.com/office/drawing/2014/main" id="{AC59D601-9C96-430F-BC85-8450C4649A79}"/>
               </a:ext>
             </a:extLst>
           </p:cNvPr>
@@ -4492,7 +4492,7 @@
           <p:cNvPr id="3" name="內容版面配置區 2">
             <a:extLst>
               <a:ext uri="{FF2B5EF4-FFF2-40B4-BE49-F238E27FC236}">
-                <a16:creationId xmlns:a16="http://schemas.microsoft.com/office/drawing/2014/main" xmlns="" id="{71FFD410-E655-458F-B912-FB5D358C096D}"/>
+                <a16:creationId xmlns="" xmlns:a16="http://schemas.microsoft.com/office/drawing/2014/main" id="{71FFD410-E655-458F-B912-FB5D358C096D}"/>
               </a:ext>
             </a:extLst>
           </p:cNvPr>
@@ -4645,7 +4645,7 @@
           <p:cNvPr id="4" name="內容版面配置區 2">
             <a:extLst>
               <a:ext uri="{FF2B5EF4-FFF2-40B4-BE49-F238E27FC236}">
-                <a16:creationId xmlns:a16="http://schemas.microsoft.com/office/drawing/2014/main" xmlns="" id="{ACF3CE4F-D21D-41A0-A8EF-ECD439351917}"/>
+                <a16:creationId xmlns="" xmlns:a16="http://schemas.microsoft.com/office/drawing/2014/main" id="{ACF3CE4F-D21D-41A0-A8EF-ECD439351917}"/>
               </a:ext>
             </a:extLst>
           </p:cNvPr>
@@ -5052,7 +5052,7 @@
           <p:cNvPr id="2" name="標題 1">
             <a:extLst>
               <a:ext uri="{FF2B5EF4-FFF2-40B4-BE49-F238E27FC236}">
-                <a16:creationId xmlns:a16="http://schemas.microsoft.com/office/drawing/2014/main" xmlns="" id="{AC59D601-9C96-430F-BC85-8450C4649A79}"/>
+                <a16:creationId xmlns="" xmlns:a16="http://schemas.microsoft.com/office/drawing/2014/main" id="{AC59D601-9C96-430F-BC85-8450C4649A79}"/>
               </a:ext>
             </a:extLst>
           </p:cNvPr>
@@ -5087,7 +5087,7 @@
           <p:cNvPr id="3" name="內容版面配置區 2">
             <a:extLst>
               <a:ext uri="{FF2B5EF4-FFF2-40B4-BE49-F238E27FC236}">
-                <a16:creationId xmlns:a16="http://schemas.microsoft.com/office/drawing/2014/main" xmlns="" id="{71FFD410-E655-458F-B912-FB5D358C096D}"/>
+                <a16:creationId xmlns="" xmlns:a16="http://schemas.microsoft.com/office/drawing/2014/main" id="{71FFD410-E655-458F-B912-FB5D358C096D}"/>
               </a:ext>
             </a:extLst>
           </p:cNvPr>
@@ -5240,7 +5240,7 @@
           <p:cNvPr id="4" name="內容版面配置區 2">
             <a:extLst>
               <a:ext uri="{FF2B5EF4-FFF2-40B4-BE49-F238E27FC236}">
-                <a16:creationId xmlns:a16="http://schemas.microsoft.com/office/drawing/2014/main" xmlns="" id="{ACF3CE4F-D21D-41A0-A8EF-ECD439351917}"/>
+                <a16:creationId xmlns="" xmlns:a16="http://schemas.microsoft.com/office/drawing/2014/main" id="{ACF3CE4F-D21D-41A0-A8EF-ECD439351917}"/>
               </a:ext>
             </a:extLst>
           </p:cNvPr>
@@ -5677,7 +5677,7 @@
           <p:cNvPr id="2" name="標題 1">
             <a:extLst>
               <a:ext uri="{FF2B5EF4-FFF2-40B4-BE49-F238E27FC236}">
-                <a16:creationId xmlns:a16="http://schemas.microsoft.com/office/drawing/2014/main" xmlns="" id="{A1158003-AE86-41C1-9720-35C9B204A3FB}"/>
+                <a16:creationId xmlns="" xmlns:a16="http://schemas.microsoft.com/office/drawing/2014/main" id="{A1158003-AE86-41C1-9720-35C9B204A3FB}"/>
               </a:ext>
             </a:extLst>
           </p:cNvPr>
@@ -5712,7 +5712,7 @@
           <p:cNvPr id="3" name="內容版面配置區 2">
             <a:extLst>
               <a:ext uri="{FF2B5EF4-FFF2-40B4-BE49-F238E27FC236}">
-                <a16:creationId xmlns:a16="http://schemas.microsoft.com/office/drawing/2014/main" xmlns="" id="{8608F4E1-31A7-4018-A470-B9625DAF32FC}"/>
+                <a16:creationId xmlns="" xmlns:a16="http://schemas.microsoft.com/office/drawing/2014/main" id="{8608F4E1-31A7-4018-A470-B9625DAF32FC}"/>
               </a:ext>
             </a:extLst>
           </p:cNvPr>
@@ -6074,21 +6074,42 @@
                 <a:latin typeface="微軟正黑體" panose="020B0604030504040204" pitchFamily="34" charset="-120"/>
                 <a:ea typeface="微軟正黑體" panose="020B0604030504040204" pitchFamily="34" charset="-120"/>
               </a:rPr>
-              <a:t>L</a:t>
-            </a:r>
-            <a:r>
-              <a:rPr lang="en-US" altLang="zh-TW" dirty="0" smtClean="0">
-                <a:latin typeface="微軟正黑體" panose="020B0604030504040204" pitchFamily="34" charset="-120"/>
-                <a:ea typeface="微軟正黑體" panose="020B0604030504040204" pitchFamily="34" charset="-120"/>
-              </a:rPr>
-              <a:t>INE</a:t>
+              <a:t>LINE</a:t>
             </a:r>
             <a:r>
               <a:rPr lang="zh-TW" altLang="en-US" dirty="0" smtClean="0">
                 <a:latin typeface="微軟正黑體" panose="020B0604030504040204" pitchFamily="34" charset="-120"/>
                 <a:ea typeface="微軟正黑體" panose="020B0604030504040204" pitchFamily="34" charset="-120"/>
               </a:rPr>
-              <a:t>，所以經過與子五元與老師的討論，我們決定以</a:t>
+              <a:t>，所以經過</a:t>
+            </a:r>
+            <a:r>
+              <a:rPr lang="zh-TW" altLang="en-US" dirty="0" smtClean="0">
+                <a:latin typeface="微軟正黑體" panose="020B0604030504040204" pitchFamily="34" charset="-120"/>
+                <a:ea typeface="微軟正黑體" panose="020B0604030504040204" pitchFamily="34" charset="-120"/>
+              </a:rPr>
+              <a:t>與</a:t>
+            </a:r>
+            <a:r>
+              <a:rPr lang="zh-TW" altLang="en-US" dirty="0" smtClean="0">
+                <a:latin typeface="微軟正黑體" panose="020B0604030504040204" pitchFamily="34" charset="-120"/>
+                <a:ea typeface="微軟正黑體" panose="020B0604030504040204" pitchFamily="34" charset="-120"/>
+              </a:rPr>
+              <a:t>組員和</a:t>
+            </a:r>
+            <a:r>
+              <a:rPr lang="zh-TW" altLang="en-US" dirty="0" smtClean="0">
+                <a:latin typeface="微軟正黑體" panose="020B0604030504040204" pitchFamily="34" charset="-120"/>
+                <a:ea typeface="微軟正黑體" panose="020B0604030504040204" pitchFamily="34" charset="-120"/>
+              </a:rPr>
+              <a:t>老師</a:t>
+            </a:r>
+            <a:r>
+              <a:rPr lang="zh-TW" altLang="en-US" dirty="0" smtClean="0">
+                <a:latin typeface="微軟正黑體" panose="020B0604030504040204" pitchFamily="34" charset="-120"/>
+                <a:ea typeface="微軟正黑體" panose="020B0604030504040204" pitchFamily="34" charset="-120"/>
+              </a:rPr>
+              <a:t>的討論，我們決定以</a:t>
             </a:r>
             <a:r>
               <a:rPr lang="en-US" altLang="zh-TW" dirty="0" smtClean="0">
@@ -6183,7 +6204,7 @@
           <p:cNvPr id="2" name="標題 1">
             <a:extLst>
               <a:ext uri="{FF2B5EF4-FFF2-40B4-BE49-F238E27FC236}">
-                <a16:creationId xmlns:a16="http://schemas.microsoft.com/office/drawing/2014/main" xmlns="" id="{E790CE11-5081-4718-ADF2-CD1CE83E11BF}"/>
+                <a16:creationId xmlns="" xmlns:a16="http://schemas.microsoft.com/office/drawing/2014/main" id="{E790CE11-5081-4718-ADF2-CD1CE83E11BF}"/>
               </a:ext>
             </a:extLst>
           </p:cNvPr>
